--- a/figure/FIGURES.pptx
+++ b/figure/FIGURES.pptx
@@ -199,7 +199,7 @@
           <a:p>
             <a:fld id="{25E4B823-9091-594F-87B2-4D821D50F95B}" type="datetimeFigureOut">
               <a:rPr lang="en-CA" smtClean="0"/>
-              <a:t>2025-03-03</a:t>
+              <a:t>2025-04-01</a:t>
             </a:fld>
             <a:endParaRPr lang="en-CA"/>
           </a:p>
@@ -700,7 +700,7 @@
           <a:p>
             <a:fld id="{3132CF77-6ABA-874C-80E0-4F20B077B08D}" type="datetimeFigureOut">
               <a:rPr lang="en-CA" smtClean="0"/>
-              <a:t>2025-03-03</a:t>
+              <a:t>2025-04-01</a:t>
             </a:fld>
             <a:endParaRPr lang="en-CA"/>
           </a:p>
@@ -900,7 +900,7 @@
           <a:p>
             <a:fld id="{3132CF77-6ABA-874C-80E0-4F20B077B08D}" type="datetimeFigureOut">
               <a:rPr lang="en-CA" smtClean="0"/>
-              <a:t>2025-03-03</a:t>
+              <a:t>2025-04-01</a:t>
             </a:fld>
             <a:endParaRPr lang="en-CA"/>
           </a:p>
@@ -1110,7 +1110,7 @@
           <a:p>
             <a:fld id="{3132CF77-6ABA-874C-80E0-4F20B077B08D}" type="datetimeFigureOut">
               <a:rPr lang="en-CA" smtClean="0"/>
-              <a:t>2025-03-03</a:t>
+              <a:t>2025-04-01</a:t>
             </a:fld>
             <a:endParaRPr lang="en-CA"/>
           </a:p>
@@ -1310,7 +1310,7 @@
           <a:p>
             <a:fld id="{3132CF77-6ABA-874C-80E0-4F20B077B08D}" type="datetimeFigureOut">
               <a:rPr lang="en-CA" smtClean="0"/>
-              <a:t>2025-03-03</a:t>
+              <a:t>2025-04-01</a:t>
             </a:fld>
             <a:endParaRPr lang="en-CA"/>
           </a:p>
@@ -1586,7 +1586,7 @@
           <a:p>
             <a:fld id="{3132CF77-6ABA-874C-80E0-4F20B077B08D}" type="datetimeFigureOut">
               <a:rPr lang="en-CA" smtClean="0"/>
-              <a:t>2025-03-03</a:t>
+              <a:t>2025-04-01</a:t>
             </a:fld>
             <a:endParaRPr lang="en-CA"/>
           </a:p>
@@ -1854,7 +1854,7 @@
           <a:p>
             <a:fld id="{3132CF77-6ABA-874C-80E0-4F20B077B08D}" type="datetimeFigureOut">
               <a:rPr lang="en-CA" smtClean="0"/>
-              <a:t>2025-03-03</a:t>
+              <a:t>2025-04-01</a:t>
             </a:fld>
             <a:endParaRPr lang="en-CA"/>
           </a:p>
@@ -2269,7 +2269,7 @@
           <a:p>
             <a:fld id="{3132CF77-6ABA-874C-80E0-4F20B077B08D}" type="datetimeFigureOut">
               <a:rPr lang="en-CA" smtClean="0"/>
-              <a:t>2025-03-03</a:t>
+              <a:t>2025-04-01</a:t>
             </a:fld>
             <a:endParaRPr lang="en-CA"/>
           </a:p>
@@ -2411,7 +2411,7 @@
           <a:p>
             <a:fld id="{3132CF77-6ABA-874C-80E0-4F20B077B08D}" type="datetimeFigureOut">
               <a:rPr lang="en-CA" smtClean="0"/>
-              <a:t>2025-03-03</a:t>
+              <a:t>2025-04-01</a:t>
             </a:fld>
             <a:endParaRPr lang="en-CA"/>
           </a:p>
@@ -2524,7 +2524,7 @@
           <a:p>
             <a:fld id="{3132CF77-6ABA-874C-80E0-4F20B077B08D}" type="datetimeFigureOut">
               <a:rPr lang="en-CA" smtClean="0"/>
-              <a:t>2025-03-03</a:t>
+              <a:t>2025-04-01</a:t>
             </a:fld>
             <a:endParaRPr lang="en-CA"/>
           </a:p>
@@ -2837,7 +2837,7 @@
           <a:p>
             <a:fld id="{3132CF77-6ABA-874C-80E0-4F20B077B08D}" type="datetimeFigureOut">
               <a:rPr lang="en-CA" smtClean="0"/>
-              <a:t>2025-03-03</a:t>
+              <a:t>2025-04-01</a:t>
             </a:fld>
             <a:endParaRPr lang="en-CA"/>
           </a:p>
@@ -3126,7 +3126,7 @@
           <a:p>
             <a:fld id="{3132CF77-6ABA-874C-80E0-4F20B077B08D}" type="datetimeFigureOut">
               <a:rPr lang="en-CA" smtClean="0"/>
-              <a:t>2025-03-03</a:t>
+              <a:t>2025-04-01</a:t>
             </a:fld>
             <a:endParaRPr lang="en-CA"/>
           </a:p>
@@ -3369,7 +3369,7 @@
           <a:p>
             <a:fld id="{3132CF77-6ABA-874C-80E0-4F20B077B08D}" type="datetimeFigureOut">
               <a:rPr lang="en-CA" smtClean="0"/>
-              <a:t>2025-03-03</a:t>
+              <a:t>2025-04-01</a:t>
             </a:fld>
             <a:endParaRPr lang="en-CA"/>
           </a:p>
@@ -8241,6 +8241,42 @@
           <a:chExt cx="0" cy="0"/>
         </a:xfrm>
       </p:grpSpPr>
+      <p:pic>
+        <p:nvPicPr>
+          <p:cNvPr id="5" name="Graphic 4" descr="Normal Distribution outline">
+            <a:extLst>
+              <a:ext uri="{FF2B5EF4-FFF2-40B4-BE49-F238E27FC236}">
+                <a16:creationId xmlns:a16="http://schemas.microsoft.com/office/drawing/2014/main" id="{3029BFDB-9F39-5BA2-172C-40A51EB23309}"/>
+              </a:ext>
+            </a:extLst>
+          </p:cNvPr>
+          <p:cNvPicPr>
+            <a:picLocks noChangeAspect="1"/>
+          </p:cNvPicPr>
+          <p:nvPr/>
+        </p:nvPicPr>
+        <p:blipFill>
+          <a:blip r:embed="rId2">
+            <a:extLst>
+              <a:ext uri="{96DAC541-7B7A-43D3-8B79-37D633B846F1}">
+                <asvg:svgBlip xmlns:asvg="http://schemas.microsoft.com/office/drawing/2016/SVG/main" r:embed="rId3"/>
+              </a:ext>
+            </a:extLst>
+          </a:blip>
+          <a:srcRect l="21347" b="18590"/>
+          <a:stretch/>
+        </p:blipFill>
+        <p:spPr>
+          <a:xfrm>
+            <a:off x="7856988" y="3122533"/>
+            <a:ext cx="2989805" cy="3094582"/>
+          </a:xfrm>
+          <a:prstGeom prst="rect">
+            <a:avLst/>
+          </a:prstGeom>
+          <a:effectLst/>
+        </p:spPr>
+      </p:pic>
       <p:cxnSp>
         <p:nvCxnSpPr>
           <p:cNvPr id="12" name="Straight Arrow Connector 11">
@@ -8879,8 +8915,8 @@
           </a:fontRef>
         </p:style>
       </p:cxnSp>
-      <mc:AlternateContent xmlns:mc="http://schemas.openxmlformats.org/markup-compatibility/2006">
-        <mc:Choice xmlns:a14="http://schemas.microsoft.com/office/drawing/2010/main" Requires="a14">
+      <mc:AlternateContent xmlns:mc="http://schemas.openxmlformats.org/markup-compatibility/2006" xmlns:a14="http://schemas.microsoft.com/office/drawing/2010/main">
+        <mc:Choice Requires="a14">
           <p:sp>
             <p:nvSpPr>
               <p:cNvPr id="23" name="TextBox 22">
@@ -8931,7 +8967,7 @@
             </p:txBody>
           </p:sp>
         </mc:Choice>
-        <mc:Fallback>
+        <mc:Fallback xmlns="">
           <p:sp>
             <p:nvSpPr>
               <p:cNvPr id="23" name="TextBox 22">
@@ -9134,7 +9170,7 @@
         </p:nvCxnSpPr>
         <p:spPr>
           <a:xfrm>
-            <a:off x="8739312" y="5988714"/>
+            <a:off x="8813056" y="5936162"/>
             <a:ext cx="353200" cy="0"/>
           </a:xfrm>
           <a:prstGeom prst="straightConnector1">
@@ -9179,7 +9215,7 @@
             </p:nvSpPr>
             <p:spPr>
               <a:xfrm>
-                <a:off x="8625894" y="6122170"/>
+                <a:off x="8674523" y="6059597"/>
                 <a:ext cx="556522" cy="287087"/>
               </a:xfrm>
               <a:prstGeom prst="rect">
@@ -9232,7 +9268,7 @@
             </p:nvSpPr>
             <p:spPr>
               <a:xfrm>
-                <a:off x="8625894" y="6122170"/>
+                <a:off x="8674523" y="6059597"/>
                 <a:ext cx="556522" cy="287087"/>
               </a:xfrm>
               <a:prstGeom prst="rect">
@@ -9241,7 +9277,7 @@
               <a:blipFill>
                 <a:blip r:embed="rId13"/>
                 <a:stretch>
-                  <a:fillRect b="-4167"/>
+                  <a:fillRect b="-4348"/>
                 </a:stretch>
               </a:blipFill>
             </p:spPr>
@@ -9288,7 +9324,7 @@
         <p:spPr>
           <a:xfrm>
             <a:off x="968956" y="-29874"/>
-            <a:ext cx="2989805" cy="3094582"/>
+            <a:ext cx="2987697" cy="3092400"/>
           </a:xfrm>
           <a:prstGeom prst="rect">
             <a:avLst/>
@@ -9367,10 +9403,45 @@
       </p:pic>
       <p:pic>
         <p:nvPicPr>
-          <p:cNvPr id="25" name="Graphic 24" descr="Normal Distribution outline">
-            <a:extLst>
-              <a:ext uri="{FF2B5EF4-FFF2-40B4-BE49-F238E27FC236}">
-                <a16:creationId xmlns:a16="http://schemas.microsoft.com/office/drawing/2014/main" id="{48D84B23-FD83-62B1-7AF8-D479E5005D7A}"/>
+          <p:cNvPr id="26" name="Graphic 25" descr="Normal Distribution outline">
+            <a:extLst>
+              <a:ext uri="{FF2B5EF4-FFF2-40B4-BE49-F238E27FC236}">
+                <a16:creationId xmlns:a16="http://schemas.microsoft.com/office/drawing/2014/main" id="{59F034BE-1AB5-5757-FFBA-2B6C94C16124}"/>
+              </a:ext>
+            </a:extLst>
+          </p:cNvPr>
+          <p:cNvPicPr>
+            <a:picLocks noChangeAspect="1"/>
+          </p:cNvPicPr>
+          <p:nvPr/>
+        </p:nvPicPr>
+        <p:blipFill>
+          <a:blip r:embed="rId16">
+            <a:extLst>
+              <a:ext uri="{96DAC541-7B7A-43D3-8B79-37D633B846F1}">
+                <asvg:svgBlip xmlns:asvg="http://schemas.microsoft.com/office/drawing/2016/SVG/main" r:embed="rId17"/>
+              </a:ext>
+            </a:extLst>
+          </a:blip>
+          <a:srcRect l="21347" b="18590"/>
+          <a:stretch/>
+        </p:blipFill>
+        <p:spPr>
+          <a:xfrm>
+            <a:off x="7597610" y="3123175"/>
+            <a:ext cx="2989805" cy="3094582"/>
+          </a:xfrm>
+          <a:prstGeom prst="rect">
+            <a:avLst/>
+          </a:prstGeom>
+        </p:spPr>
+      </p:pic>
+      <p:pic>
+        <p:nvPicPr>
+          <p:cNvPr id="29" name="Graphic 28" descr="Normal Distribution outline">
+            <a:extLst>
+              <a:ext uri="{FF2B5EF4-FFF2-40B4-BE49-F238E27FC236}">
+                <a16:creationId xmlns:a16="http://schemas.microsoft.com/office/drawing/2014/main" id="{109D259D-3B80-BECB-7642-554A6B1F8E64}"/>
               </a:ext>
             </a:extLst>
           </p:cNvPr>
@@ -9392,7 +9463,7 @@
         </p:blipFill>
         <p:spPr>
           <a:xfrm>
-            <a:off x="8764154" y="-29874"/>
+            <a:off x="7781667" y="3123175"/>
             <a:ext cx="2989805" cy="3094582"/>
           </a:xfrm>
           <a:prstGeom prst="rect">
@@ -9400,78 +9471,8 @@
           </a:prstGeom>
         </p:spPr>
       </p:pic>
-      <p:pic>
-        <p:nvPicPr>
-          <p:cNvPr id="26" name="Graphic 25" descr="Normal Distribution outline">
-            <a:extLst>
-              <a:ext uri="{FF2B5EF4-FFF2-40B4-BE49-F238E27FC236}">
-                <a16:creationId xmlns:a16="http://schemas.microsoft.com/office/drawing/2014/main" id="{59F034BE-1AB5-5757-FFBA-2B6C94C16124}"/>
-              </a:ext>
-            </a:extLst>
-          </p:cNvPr>
-          <p:cNvPicPr>
-            <a:picLocks noChangeAspect="1"/>
-          </p:cNvPicPr>
-          <p:nvPr/>
-        </p:nvPicPr>
-        <p:blipFill>
-          <a:blip r:embed="rId16">
-            <a:extLst>
-              <a:ext uri="{96DAC541-7B7A-43D3-8B79-37D633B846F1}">
-                <asvg:svgBlip xmlns:asvg="http://schemas.microsoft.com/office/drawing/2016/SVG/main" r:embed="rId17"/>
-              </a:ext>
-            </a:extLst>
-          </a:blip>
-          <a:srcRect l="21347" b="18590"/>
-          <a:stretch/>
-        </p:blipFill>
-        <p:spPr>
-          <a:xfrm>
-            <a:off x="7597610" y="3123175"/>
-            <a:ext cx="2989805" cy="3094582"/>
-          </a:xfrm>
-          <a:prstGeom prst="rect">
-            <a:avLst/>
-          </a:prstGeom>
-        </p:spPr>
-      </p:pic>
-      <p:pic>
-        <p:nvPicPr>
-          <p:cNvPr id="29" name="Graphic 28" descr="Normal Distribution outline">
-            <a:extLst>
-              <a:ext uri="{FF2B5EF4-FFF2-40B4-BE49-F238E27FC236}">
-                <a16:creationId xmlns:a16="http://schemas.microsoft.com/office/drawing/2014/main" id="{109D259D-3B80-BECB-7642-554A6B1F8E64}"/>
-              </a:ext>
-            </a:extLst>
-          </p:cNvPr>
-          <p:cNvPicPr>
-            <a:picLocks noChangeAspect="1"/>
-          </p:cNvPicPr>
-          <p:nvPr/>
-        </p:nvPicPr>
-        <p:blipFill>
-          <a:blip r:embed="rId18">
-            <a:extLst>
-              <a:ext uri="{96DAC541-7B7A-43D3-8B79-37D633B846F1}">
-                <asvg:svgBlip xmlns:asvg="http://schemas.microsoft.com/office/drawing/2016/SVG/main" r:embed="rId19"/>
-              </a:ext>
-            </a:extLst>
-          </a:blip>
-          <a:srcRect l="21347" b="18590"/>
-          <a:stretch/>
-        </p:blipFill>
-        <p:spPr>
-          <a:xfrm>
-            <a:off x="7781667" y="3123175"/>
-            <a:ext cx="2989805" cy="3094582"/>
-          </a:xfrm>
-          <a:prstGeom prst="rect">
-            <a:avLst/>
-          </a:prstGeom>
-        </p:spPr>
-      </p:pic>
-      <mc:AlternateContent xmlns:mc="http://schemas.openxmlformats.org/markup-compatibility/2006">
-        <mc:Choice xmlns:a14="http://schemas.microsoft.com/office/drawing/2010/main" Requires="a14">
+      <mc:AlternateContent xmlns:mc="http://schemas.openxmlformats.org/markup-compatibility/2006" xmlns:a14="http://schemas.microsoft.com/office/drawing/2010/main">
+        <mc:Choice Requires="a14">
           <p:sp>
             <p:nvSpPr>
               <p:cNvPr id="31" name="TextBox 30">
@@ -9538,7 +9539,7 @@
             </p:txBody>
           </p:sp>
         </mc:Choice>
-        <mc:Fallback>
+        <mc:Fallback xmlns="">
           <p:sp>
             <p:nvSpPr>
               <p:cNvPr id="31" name="TextBox 30">
@@ -9583,8 +9584,8 @@
           </p:sp>
         </mc:Fallback>
       </mc:AlternateContent>
-      <mc:AlternateContent xmlns:mc="http://schemas.openxmlformats.org/markup-compatibility/2006">
-        <mc:Choice xmlns:a14="http://schemas.microsoft.com/office/drawing/2010/main" Requires="a14">
+      <mc:AlternateContent xmlns:mc="http://schemas.openxmlformats.org/markup-compatibility/2006" xmlns:a14="http://schemas.microsoft.com/office/drawing/2010/main">
+        <mc:Choice Requires="a14">
           <p:sp>
             <p:nvSpPr>
               <p:cNvPr id="32" name="TextBox 31">
@@ -9659,7 +9660,7 @@
             </p:txBody>
           </p:sp>
         </mc:Choice>
-        <mc:Fallback>
+        <mc:Fallback xmlns="">
           <p:sp>
             <p:nvSpPr>
               <p:cNvPr id="32" name="TextBox 31">
@@ -9704,6 +9705,200 @@
           </p:sp>
         </mc:Fallback>
       </mc:AlternateContent>
+      <p:pic>
+        <p:nvPicPr>
+          <p:cNvPr id="2" name="Graphic 1" descr="Normal Distribution outline">
+            <a:extLst>
+              <a:ext uri="{FF2B5EF4-FFF2-40B4-BE49-F238E27FC236}">
+                <a16:creationId xmlns:a16="http://schemas.microsoft.com/office/drawing/2014/main" id="{FE31350D-BA95-907A-2D81-1327A4AA5C60}"/>
+              </a:ext>
+            </a:extLst>
+          </p:cNvPr>
+          <p:cNvPicPr>
+            <a:picLocks noChangeAspect="1"/>
+          </p:cNvPicPr>
+          <p:nvPr/>
+        </p:nvPicPr>
+        <p:blipFill>
+          <a:blip r:embed="rId2">
+            <a:extLst>
+              <a:ext uri="{96DAC541-7B7A-43D3-8B79-37D633B846F1}">
+                <asvg:svgBlip xmlns:asvg="http://schemas.microsoft.com/office/drawing/2016/SVG/main" r:embed="rId3"/>
+              </a:ext>
+            </a:extLst>
+          </a:blip>
+          <a:srcRect l="21347" b="18590"/>
+          <a:stretch/>
+        </p:blipFill>
+        <p:spPr>
+          <a:xfrm>
+            <a:off x="8694321" y="-640"/>
+            <a:ext cx="2989805" cy="3094582"/>
+          </a:xfrm>
+          <a:prstGeom prst="rect">
+            <a:avLst/>
+          </a:prstGeom>
+          <a:effectLst/>
+        </p:spPr>
+      </p:pic>
+      <mc:AlternateContent xmlns:mc="http://schemas.openxmlformats.org/markup-compatibility/2006">
+        <mc:Choice xmlns:a14="http://schemas.microsoft.com/office/drawing/2010/main" Requires="a14">
+          <p:sp>
+            <p:nvSpPr>
+              <p:cNvPr id="3" name="TextBox 2">
+                <a:extLst>
+                  <a:ext uri="{FF2B5EF4-FFF2-40B4-BE49-F238E27FC236}">
+                    <a16:creationId xmlns:a16="http://schemas.microsoft.com/office/drawing/2014/main" id="{73C6A65E-DECE-73AB-E3CB-B408781CCE4A}"/>
+                  </a:ext>
+                </a:extLst>
+              </p:cNvPr>
+              <p:cNvSpPr txBox="1"/>
+              <p:nvPr/>
+            </p:nvSpPr>
+            <p:spPr>
+              <a:xfrm>
+                <a:off x="9670768" y="488607"/>
+                <a:ext cx="516925" cy="369332"/>
+              </a:xfrm>
+              <a:prstGeom prst="rect">
+                <a:avLst/>
+              </a:prstGeom>
+              <a:noFill/>
+            </p:spPr>
+            <p:txBody>
+              <a:bodyPr wrap="square">
+                <a:spAutoFit/>
+              </a:bodyPr>
+              <a:lstStyle/>
+              <a:p>
+                <a:pPr/>
+                <a14:m>
+                  <m:oMathPara xmlns:m="http://schemas.openxmlformats.org/officeDocument/2006/math">
+                    <m:oMathParaPr>
+                      <m:jc m:val="centerGroup"/>
+                    </m:oMathParaPr>
+                    <m:oMath xmlns:m="http://schemas.openxmlformats.org/officeDocument/2006/math">
+                      <m:d>
+                        <m:dPr>
+                          <m:begChr m:val="|"/>
+                          <m:endChr m:val=""/>
+                          <m:ctrlPr>
+                            <a:rPr lang="en-CA" i="1" smtClean="0">
+                              <a:latin typeface="Cambria Math" panose="02040503050406030204" pitchFamily="18" charset="0"/>
+                            </a:rPr>
+                          </m:ctrlPr>
+                        </m:dPr>
+                        <m:e>
+                          <m:d>
+                            <m:dPr>
+                              <m:begChr m:val=""/>
+                              <m:endChr m:val="⟩"/>
+                              <m:ctrlPr>
+                                <a:rPr lang="en-CA" i="1" smtClean="0">
+                                  <a:latin typeface="Cambria Math" panose="02040503050406030204" pitchFamily="18" charset="0"/>
+                                </a:rPr>
+                              </m:ctrlPr>
+                            </m:dPr>
+                            <m:e>
+                              <m:r>
+                                <a:rPr lang="en-CA" i="1" smtClean="0">
+                                  <a:latin typeface="Cambria Math" panose="02040503050406030204" pitchFamily="18" charset="0"/>
+                                  <a:ea typeface="Cambria Math" panose="02040503050406030204" pitchFamily="18" charset="0"/>
+                                </a:rPr>
+                                <m:t>𝜓</m:t>
+                              </m:r>
+                            </m:e>
+                          </m:d>
+                        </m:e>
+                      </m:d>
+                    </m:oMath>
+                  </m:oMathPara>
+                </a14:m>
+                <a:endParaRPr lang="en-CA" dirty="0"/>
+              </a:p>
+            </p:txBody>
+          </p:sp>
+        </mc:Choice>
+        <mc:Fallback>
+          <p:sp>
+            <p:nvSpPr>
+              <p:cNvPr id="3" name="TextBox 2">
+                <a:extLst>
+                  <a:ext uri="{FF2B5EF4-FFF2-40B4-BE49-F238E27FC236}">
+                    <a16:creationId xmlns:a16="http://schemas.microsoft.com/office/drawing/2014/main" id="{73C6A65E-DECE-73AB-E3CB-B408781CCE4A}"/>
+                  </a:ext>
+                </a:extLst>
+              </p:cNvPr>
+              <p:cNvSpPr txBox="1">
+                <a:spLocks noRot="1" noChangeAspect="1" noMove="1" noResize="1" noEditPoints="1" noAdjustHandles="1" noChangeArrowheads="1" noChangeShapeType="1" noTextEdit="1"/>
+              </p:cNvSpPr>
+              <p:nvPr/>
+            </p:nvSpPr>
+            <p:spPr>
+              <a:xfrm>
+                <a:off x="9670768" y="488607"/>
+                <a:ext cx="516925" cy="369332"/>
+              </a:xfrm>
+              <a:prstGeom prst="rect">
+                <a:avLst/>
+              </a:prstGeom>
+              <a:blipFill>
+                <a:blip r:embed="rId22"/>
+                <a:stretch>
+                  <a:fillRect l="-59524" t="-110000" r="-42857" b="-166667"/>
+                </a:stretch>
+              </a:blipFill>
+            </p:spPr>
+            <p:txBody>
+              <a:bodyPr/>
+              <a:lstStyle/>
+              <a:p>
+                <a:r>
+                  <a:rPr lang="en-CA">
+                    <a:noFill/>
+                  </a:rPr>
+                  <a:t> </a:t>
+                </a:r>
+              </a:p>
+            </p:txBody>
+          </p:sp>
+        </mc:Fallback>
+      </mc:AlternateContent>
+      <p:pic>
+        <p:nvPicPr>
+          <p:cNvPr id="25" name="Graphic 24" descr="Normal Distribution outline">
+            <a:extLst>
+              <a:ext uri="{FF2B5EF4-FFF2-40B4-BE49-F238E27FC236}">
+                <a16:creationId xmlns:a16="http://schemas.microsoft.com/office/drawing/2014/main" id="{48D84B23-FD83-62B1-7AF8-D479E5005D7A}"/>
+              </a:ext>
+            </a:extLst>
+          </p:cNvPr>
+          <p:cNvPicPr>
+            <a:picLocks noChangeAspect="1"/>
+          </p:cNvPicPr>
+          <p:nvPr/>
+        </p:nvPicPr>
+        <p:blipFill>
+          <a:blip r:embed="rId18">
+            <a:extLst>
+              <a:ext uri="{96DAC541-7B7A-43D3-8B79-37D633B846F1}">
+                <asvg:svgBlip xmlns:asvg="http://schemas.microsoft.com/office/drawing/2016/SVG/main" r:embed="rId19"/>
+              </a:ext>
+            </a:extLst>
+          </a:blip>
+          <a:srcRect l="21347" b="18590"/>
+          <a:stretch/>
+        </p:blipFill>
+        <p:spPr>
+          <a:xfrm>
+            <a:off x="8776254" y="13977"/>
+            <a:ext cx="2989805" cy="3094582"/>
+          </a:xfrm>
+          <a:prstGeom prst="rect">
+            <a:avLst/>
+          </a:prstGeom>
+        </p:spPr>
+      </p:pic>
     </p:spTree>
     <p:extLst>
       <p:ext uri="{BB962C8B-B14F-4D97-AF65-F5344CB8AC3E}">

--- a/figure/FIGURES.pptx
+++ b/figure/FIGURES.pptx
@@ -199,7 +199,7 @@
           <a:p>
             <a:fld id="{25E4B823-9091-594F-87B2-4D821D50F95B}" type="datetimeFigureOut">
               <a:rPr lang="en-CA" smtClean="0"/>
-              <a:t>2025-04-01</a:t>
+              <a:t>2025-07-15</a:t>
             </a:fld>
             <a:endParaRPr lang="en-CA"/>
           </a:p>
@@ -700,7 +700,7 @@
           <a:p>
             <a:fld id="{3132CF77-6ABA-874C-80E0-4F20B077B08D}" type="datetimeFigureOut">
               <a:rPr lang="en-CA" smtClean="0"/>
-              <a:t>2025-04-01</a:t>
+              <a:t>2025-07-15</a:t>
             </a:fld>
             <a:endParaRPr lang="en-CA"/>
           </a:p>
@@ -900,7 +900,7 @@
           <a:p>
             <a:fld id="{3132CF77-6ABA-874C-80E0-4F20B077B08D}" type="datetimeFigureOut">
               <a:rPr lang="en-CA" smtClean="0"/>
-              <a:t>2025-04-01</a:t>
+              <a:t>2025-07-15</a:t>
             </a:fld>
             <a:endParaRPr lang="en-CA"/>
           </a:p>
@@ -1110,7 +1110,7 @@
           <a:p>
             <a:fld id="{3132CF77-6ABA-874C-80E0-4F20B077B08D}" type="datetimeFigureOut">
               <a:rPr lang="en-CA" smtClean="0"/>
-              <a:t>2025-04-01</a:t>
+              <a:t>2025-07-15</a:t>
             </a:fld>
             <a:endParaRPr lang="en-CA"/>
           </a:p>
@@ -1310,7 +1310,7 @@
           <a:p>
             <a:fld id="{3132CF77-6ABA-874C-80E0-4F20B077B08D}" type="datetimeFigureOut">
               <a:rPr lang="en-CA" smtClean="0"/>
-              <a:t>2025-04-01</a:t>
+              <a:t>2025-07-15</a:t>
             </a:fld>
             <a:endParaRPr lang="en-CA"/>
           </a:p>
@@ -1586,7 +1586,7 @@
           <a:p>
             <a:fld id="{3132CF77-6ABA-874C-80E0-4F20B077B08D}" type="datetimeFigureOut">
               <a:rPr lang="en-CA" smtClean="0"/>
-              <a:t>2025-04-01</a:t>
+              <a:t>2025-07-15</a:t>
             </a:fld>
             <a:endParaRPr lang="en-CA"/>
           </a:p>
@@ -1854,7 +1854,7 @@
           <a:p>
             <a:fld id="{3132CF77-6ABA-874C-80E0-4F20B077B08D}" type="datetimeFigureOut">
               <a:rPr lang="en-CA" smtClean="0"/>
-              <a:t>2025-04-01</a:t>
+              <a:t>2025-07-15</a:t>
             </a:fld>
             <a:endParaRPr lang="en-CA"/>
           </a:p>
@@ -2269,7 +2269,7 @@
           <a:p>
             <a:fld id="{3132CF77-6ABA-874C-80E0-4F20B077B08D}" type="datetimeFigureOut">
               <a:rPr lang="en-CA" smtClean="0"/>
-              <a:t>2025-04-01</a:t>
+              <a:t>2025-07-15</a:t>
             </a:fld>
             <a:endParaRPr lang="en-CA"/>
           </a:p>
@@ -2411,7 +2411,7 @@
           <a:p>
             <a:fld id="{3132CF77-6ABA-874C-80E0-4F20B077B08D}" type="datetimeFigureOut">
               <a:rPr lang="en-CA" smtClean="0"/>
-              <a:t>2025-04-01</a:t>
+              <a:t>2025-07-15</a:t>
             </a:fld>
             <a:endParaRPr lang="en-CA"/>
           </a:p>
@@ -2524,7 +2524,7 @@
           <a:p>
             <a:fld id="{3132CF77-6ABA-874C-80E0-4F20B077B08D}" type="datetimeFigureOut">
               <a:rPr lang="en-CA" smtClean="0"/>
-              <a:t>2025-04-01</a:t>
+              <a:t>2025-07-15</a:t>
             </a:fld>
             <a:endParaRPr lang="en-CA"/>
           </a:p>
@@ -2837,7 +2837,7 @@
           <a:p>
             <a:fld id="{3132CF77-6ABA-874C-80E0-4F20B077B08D}" type="datetimeFigureOut">
               <a:rPr lang="en-CA" smtClean="0"/>
-              <a:t>2025-04-01</a:t>
+              <a:t>2025-07-15</a:t>
             </a:fld>
             <a:endParaRPr lang="en-CA"/>
           </a:p>
@@ -3126,7 +3126,7 @@
           <a:p>
             <a:fld id="{3132CF77-6ABA-874C-80E0-4F20B077B08D}" type="datetimeFigureOut">
               <a:rPr lang="en-CA" smtClean="0"/>
-              <a:t>2025-04-01</a:t>
+              <a:t>2025-07-15</a:t>
             </a:fld>
             <a:endParaRPr lang="en-CA"/>
           </a:p>
@@ -3369,7 +3369,7 @@
           <a:p>
             <a:fld id="{3132CF77-6ABA-874C-80E0-4F20B077B08D}" type="datetimeFigureOut">
               <a:rPr lang="en-CA" smtClean="0"/>
-              <a:t>2025-04-01</a:t>
+              <a:t>2025-07-15</a:t>
             </a:fld>
             <a:endParaRPr lang="en-CA"/>
           </a:p>
@@ -8355,8 +8355,8 @@
           </a:fontRef>
         </p:style>
       </p:cxnSp>
-      <mc:AlternateContent xmlns:mc="http://schemas.openxmlformats.org/markup-compatibility/2006" xmlns:a14="http://schemas.microsoft.com/office/drawing/2010/main">
-        <mc:Choice Requires="a14">
+      <mc:AlternateContent xmlns:mc="http://schemas.openxmlformats.org/markup-compatibility/2006">
+        <mc:Choice xmlns:a14="http://schemas.microsoft.com/office/drawing/2010/main" Requires="a14">
           <p:sp>
             <p:nvSpPr>
               <p:cNvPr id="14" name="TextBox 13">
@@ -8372,7 +8372,7 @@
             <p:spPr>
               <a:xfrm>
                 <a:off x="1380438" y="217786"/>
-                <a:ext cx="1745221" cy="276999"/>
+                <a:ext cx="1766189" cy="276999"/>
               </a:xfrm>
               <a:prstGeom prst="rect">
                 <a:avLst/>
@@ -8409,13 +8409,34 @@
                             </m:ctrlPr>
                           </m:dPr>
                           <m:e>
-                            <m:r>
-                              <a:rPr lang="en-CA" i="1" smtClean="0">
-                                <a:latin typeface="Cambria Math" panose="02040503050406030204" pitchFamily="18" charset="0"/>
-                                <a:ea typeface="Cambria Math" panose="02040503050406030204" pitchFamily="18" charset="0"/>
-                              </a:rPr>
-                              <m:t>𝜓</m:t>
-                            </m:r>
+                            <m:sSub>
+                              <m:sSubPr>
+                                <m:ctrlPr>
+                                  <a:rPr lang="en-CA" i="1" smtClean="0">
+                                    <a:latin typeface="Cambria Math" panose="02040503050406030204" pitchFamily="18" charset="0"/>
+                                    <a:ea typeface="Cambria Math" panose="02040503050406030204" pitchFamily="18" charset="0"/>
+                                  </a:rPr>
+                                </m:ctrlPr>
+                              </m:sSubPr>
+                              <m:e>
+                                <m:r>
+                                  <a:rPr lang="en-CA" i="1" smtClean="0">
+                                    <a:latin typeface="Cambria Math" panose="02040503050406030204" pitchFamily="18" charset="0"/>
+                                    <a:ea typeface="Cambria Math" panose="02040503050406030204" pitchFamily="18" charset="0"/>
+                                  </a:rPr>
+                                  <m:t>𝜓</m:t>
+                                </m:r>
+                              </m:e>
+                              <m:sub>
+                                <m:r>
+                                  <a:rPr lang="fr-FR" b="0" i="1" smtClean="0">
+                                    <a:latin typeface="Cambria Math" panose="02040503050406030204" pitchFamily="18" charset="0"/>
+                                    <a:ea typeface="Cambria Math" panose="02040503050406030204" pitchFamily="18" charset="0"/>
+                                  </a:rPr>
+                                  <m:t>𝑖</m:t>
+                                </m:r>
+                              </m:sub>
+                            </m:sSub>
                           </m:e>
                         </m:d>
                       </m:e>
@@ -8511,7 +8532,7 @@
             </p:txBody>
           </p:sp>
         </mc:Choice>
-        <mc:Fallback xmlns="">
+        <mc:Fallback>
           <p:sp>
             <p:nvSpPr>
               <p:cNvPr id="14" name="TextBox 13">
@@ -8529,15 +8550,15 @@
             <p:spPr>
               <a:xfrm>
                 <a:off x="1380438" y="217786"/>
-                <a:ext cx="1745221" cy="276999"/>
+                <a:ext cx="1766189" cy="276999"/>
               </a:xfrm>
               <a:prstGeom prst="rect">
                 <a:avLst/>
               </a:prstGeom>
               <a:blipFill>
-                <a:blip r:embed="rId8"/>
+                <a:blip r:embed="rId4"/>
                 <a:stretch>
-                  <a:fillRect l="-23022" t="-168182" r="-14388" b="-245455"/>
+                  <a:fillRect l="-22857" t="-168182" r="-17857" b="-245455"/>
                 </a:stretch>
               </a:blipFill>
             </p:spPr>
@@ -9199,8 +9220,8 @@
           </a:fontRef>
         </p:style>
       </p:cxnSp>
-      <mc:AlternateContent xmlns:mc="http://schemas.openxmlformats.org/markup-compatibility/2006">
-        <mc:Choice xmlns:a14="http://schemas.microsoft.com/office/drawing/2010/main" Requires="a14">
+      <mc:AlternateContent xmlns:mc="http://schemas.openxmlformats.org/markup-compatibility/2006" xmlns:a14="http://schemas.microsoft.com/office/drawing/2010/main">
+        <mc:Choice Requires="a14">
           <p:sp>
             <p:nvSpPr>
               <p:cNvPr id="30" name="TextBox 29">
@@ -9251,7 +9272,7 @@
             </p:txBody>
           </p:sp>
         </mc:Choice>
-        <mc:Fallback>
+        <mc:Fallback xmlns="">
           <p:sp>
             <p:nvSpPr>
               <p:cNvPr id="30" name="TextBox 29">
@@ -9757,8 +9778,257 @@
             </p:nvSpPr>
             <p:spPr>
               <a:xfrm>
-                <a:off x="9670768" y="488607"/>
-                <a:ext cx="516925" cy="369332"/>
+                <a:off x="9930760" y="4300492"/>
+                <a:ext cx="1532509" cy="411331"/>
+              </a:xfrm>
+              <a:prstGeom prst="rect">
+                <a:avLst/>
+              </a:prstGeom>
+              <a:noFill/>
+            </p:spPr>
+            <p:txBody>
+              <a:bodyPr wrap="square">
+                <a:spAutoFit/>
+              </a:bodyPr>
+              <a:lstStyle/>
+              <a:p>
+                <a:pPr/>
+                <a14:m>
+                  <m:oMath xmlns:m="http://schemas.openxmlformats.org/officeDocument/2006/math">
+                    <m:d>
+                      <m:dPr>
+                        <m:begChr m:val="|"/>
+                        <m:endChr m:val=""/>
+                        <m:ctrlPr>
+                          <a:rPr lang="en-CA" i="1" smtClean="0">
+                            <a:latin typeface="Cambria Math" panose="02040503050406030204" pitchFamily="18" charset="0"/>
+                            <a:ea typeface="Cambria Math" panose="02040503050406030204" pitchFamily="18" charset="0"/>
+                          </a:rPr>
+                        </m:ctrlPr>
+                      </m:dPr>
+                      <m:e>
+                        <m:d>
+                          <m:dPr>
+                            <m:begChr m:val=""/>
+                            <m:endChr m:val="⟩"/>
+                            <m:ctrlPr>
+                              <a:rPr lang="en-CA" i="1" smtClean="0">
+                                <a:latin typeface="Cambria Math" panose="02040503050406030204" pitchFamily="18" charset="0"/>
+                                <a:ea typeface="Cambria Math" panose="02040503050406030204" pitchFamily="18" charset="0"/>
+                              </a:rPr>
+                            </m:ctrlPr>
+                          </m:dPr>
+                          <m:e>
+                            <m:sSub>
+                              <m:sSubPr>
+                                <m:ctrlPr>
+                                  <a:rPr lang="en-CA" i="1" smtClean="0">
+                                    <a:latin typeface="Cambria Math" panose="02040503050406030204" pitchFamily="18" charset="0"/>
+                                    <a:ea typeface="Cambria Math" panose="02040503050406030204" pitchFamily="18" charset="0"/>
+                                  </a:rPr>
+                                </m:ctrlPr>
+                              </m:sSubPr>
+                              <m:e>
+                                <m:r>
+                                  <a:rPr lang="en-CA" i="1" smtClean="0">
+                                    <a:latin typeface="Cambria Math" panose="02040503050406030204" pitchFamily="18" charset="0"/>
+                                    <a:ea typeface="Cambria Math" panose="02040503050406030204" pitchFamily="18" charset="0"/>
+                                  </a:rPr>
+                                  <m:t>𝜓</m:t>
+                                </m:r>
+                              </m:e>
+                              <m:sub>
+                                <m:r>
+                                  <a:rPr lang="fr-FR" b="0" i="1" smtClean="0">
+                                    <a:latin typeface="Cambria Math" panose="02040503050406030204" pitchFamily="18" charset="0"/>
+                                    <a:ea typeface="Cambria Math" panose="02040503050406030204" pitchFamily="18" charset="0"/>
+                                  </a:rPr>
+                                  <m:t>𝑓</m:t>
+                                </m:r>
+                              </m:sub>
+                            </m:sSub>
+                          </m:e>
+                        </m:d>
+                      </m:e>
+                    </m:d>
+                  </m:oMath>
+                </a14:m>
+                <a:r>
+                  <a:rPr lang="en-CA" dirty="0">
+                    <a:ea typeface="Cambria Math" panose="02040503050406030204" pitchFamily="18" charset="0"/>
+                  </a:rPr>
+                  <a:t> </a:t>
+                </a:r>
+                <a14:m>
+                  <m:oMath xmlns:m="http://schemas.openxmlformats.org/officeDocument/2006/math">
+                    <m:r>
+                      <a:rPr lang="en-CA" i="1" smtClean="0">
+                        <a:latin typeface="Cambria Math" panose="02040503050406030204" pitchFamily="18" charset="0"/>
+                        <a:ea typeface="Cambria Math" panose="02040503050406030204" pitchFamily="18" charset="0"/>
+                      </a:rPr>
+                      <m:t>≈</m:t>
+                    </m:r>
+                    <m:d>
+                      <m:dPr>
+                        <m:begChr m:val="|"/>
+                        <m:endChr m:val=""/>
+                        <m:ctrlPr>
+                          <a:rPr lang="en-CA" i="1">
+                            <a:latin typeface="Cambria Math" panose="02040503050406030204" pitchFamily="18" charset="0"/>
+                            <a:ea typeface="Cambria Math" panose="02040503050406030204" pitchFamily="18" charset="0"/>
+                          </a:rPr>
+                        </m:ctrlPr>
+                      </m:dPr>
+                      <m:e>
+                        <m:d>
+                          <m:dPr>
+                            <m:begChr m:val=""/>
+                            <m:endChr m:val="⟩"/>
+                            <m:ctrlPr>
+                              <a:rPr lang="en-CA" i="1">
+                                <a:latin typeface="Cambria Math" panose="02040503050406030204" pitchFamily="18" charset="0"/>
+                                <a:ea typeface="Cambria Math" panose="02040503050406030204" pitchFamily="18" charset="0"/>
+                              </a:rPr>
+                            </m:ctrlPr>
+                          </m:dPr>
+                          <m:e>
+                            <m:sSub>
+                              <m:sSubPr>
+                                <m:ctrlPr>
+                                  <a:rPr lang="en-CA" i="1">
+                                    <a:latin typeface="Cambria Math" panose="02040503050406030204" pitchFamily="18" charset="0"/>
+                                    <a:ea typeface="Cambria Math" panose="02040503050406030204" pitchFamily="18" charset="0"/>
+                                  </a:rPr>
+                                </m:ctrlPr>
+                              </m:sSubPr>
+                              <m:e>
+                                <m:r>
+                                  <a:rPr lang="en-CA" i="1">
+                                    <a:latin typeface="Cambria Math" panose="02040503050406030204" pitchFamily="18" charset="0"/>
+                                    <a:ea typeface="Cambria Math" panose="02040503050406030204" pitchFamily="18" charset="0"/>
+                                  </a:rPr>
+                                  <m:t>𝜓</m:t>
+                                </m:r>
+                              </m:e>
+                              <m:sub>
+                                <m:r>
+                                  <a:rPr lang="fr-FR" b="0" i="1" smtClean="0">
+                                    <a:latin typeface="Cambria Math" panose="02040503050406030204" pitchFamily="18" charset="0"/>
+                                    <a:ea typeface="Cambria Math" panose="02040503050406030204" pitchFamily="18" charset="0"/>
+                                  </a:rPr>
+                                  <m:t>𝑖</m:t>
+                                </m:r>
+                              </m:sub>
+                            </m:sSub>
+                          </m:e>
+                        </m:d>
+                      </m:e>
+                    </m:d>
+                  </m:oMath>
+                </a14:m>
+                <a:endParaRPr lang="en-CA" dirty="0"/>
+              </a:p>
+            </p:txBody>
+          </p:sp>
+        </mc:Choice>
+        <mc:Fallback>
+          <p:sp>
+            <p:nvSpPr>
+              <p:cNvPr id="3" name="TextBox 2">
+                <a:extLst>
+                  <a:ext uri="{FF2B5EF4-FFF2-40B4-BE49-F238E27FC236}">
+                    <a16:creationId xmlns:a16="http://schemas.microsoft.com/office/drawing/2014/main" id="{73C6A65E-DECE-73AB-E3CB-B408781CCE4A}"/>
+                  </a:ext>
+                </a:extLst>
+              </p:cNvPr>
+              <p:cNvSpPr txBox="1">
+                <a:spLocks noRot="1" noChangeAspect="1" noMove="1" noResize="1" noEditPoints="1" noAdjustHandles="1" noChangeArrowheads="1" noChangeShapeType="1" noTextEdit="1"/>
+              </p:cNvSpPr>
+              <p:nvPr/>
+            </p:nvSpPr>
+            <p:spPr>
+              <a:xfrm>
+                <a:off x="9930760" y="4300492"/>
+                <a:ext cx="1532509" cy="411331"/>
+              </a:xfrm>
+              <a:prstGeom prst="rect">
+                <a:avLst/>
+              </a:prstGeom>
+              <a:blipFill>
+                <a:blip r:embed="rId22"/>
+                <a:stretch>
+                  <a:fillRect l="-30328" t="-144118" b="-214706"/>
+                </a:stretch>
+              </a:blipFill>
+            </p:spPr>
+            <p:txBody>
+              <a:bodyPr/>
+              <a:lstStyle/>
+              <a:p>
+                <a:r>
+                  <a:rPr lang="en-CA">
+                    <a:noFill/>
+                  </a:rPr>
+                  <a:t> </a:t>
+                </a:r>
+              </a:p>
+            </p:txBody>
+          </p:sp>
+        </mc:Fallback>
+      </mc:AlternateContent>
+      <p:pic>
+        <p:nvPicPr>
+          <p:cNvPr id="25" name="Graphic 24" descr="Normal Distribution outline">
+            <a:extLst>
+              <a:ext uri="{FF2B5EF4-FFF2-40B4-BE49-F238E27FC236}">
+                <a16:creationId xmlns:a16="http://schemas.microsoft.com/office/drawing/2014/main" id="{48D84B23-FD83-62B1-7AF8-D479E5005D7A}"/>
+              </a:ext>
+            </a:extLst>
+          </p:cNvPr>
+          <p:cNvPicPr>
+            <a:picLocks noChangeAspect="1"/>
+          </p:cNvPicPr>
+          <p:nvPr/>
+        </p:nvPicPr>
+        <p:blipFill>
+          <a:blip r:embed="rId18">
+            <a:extLst>
+              <a:ext uri="{96DAC541-7B7A-43D3-8B79-37D633B846F1}">
+                <asvg:svgBlip xmlns:asvg="http://schemas.microsoft.com/office/drawing/2016/SVG/main" r:embed="rId19"/>
+              </a:ext>
+            </a:extLst>
+          </a:blip>
+          <a:srcRect l="21347" b="18590"/>
+          <a:stretch/>
+        </p:blipFill>
+        <p:spPr>
+          <a:xfrm>
+            <a:off x="8776254" y="13977"/>
+            <a:ext cx="2989805" cy="3094582"/>
+          </a:xfrm>
+          <a:prstGeom prst="rect">
+            <a:avLst/>
+          </a:prstGeom>
+        </p:spPr>
+      </p:pic>
+      <mc:AlternateContent xmlns:mc="http://schemas.openxmlformats.org/markup-compatibility/2006">
+        <mc:Choice xmlns:a14="http://schemas.microsoft.com/office/drawing/2010/main" Requires="a14">
+          <p:sp>
+            <p:nvSpPr>
+              <p:cNvPr id="6" name="TextBox 5">
+                <a:extLst>
+                  <a:ext uri="{FF2B5EF4-FFF2-40B4-BE49-F238E27FC236}">
+                    <a16:creationId xmlns:a16="http://schemas.microsoft.com/office/drawing/2014/main" id="{DB706376-8363-D225-0212-ABFB1556259D}"/>
+                  </a:ext>
+                </a:extLst>
+              </p:cNvPr>
+              <p:cNvSpPr txBox="1"/>
+              <p:nvPr/>
+            </p:nvSpPr>
+            <p:spPr>
+              <a:xfrm>
+                <a:off x="1668444" y="3575860"/>
+                <a:ext cx="1155855" cy="369332"/>
               </a:xfrm>
               <a:prstGeom prst="rect">
                 <a:avLst/>
@@ -9785,6 +10055,7 @@
                           <m:ctrlPr>
                             <a:rPr lang="en-CA" i="1" smtClean="0">
                               <a:latin typeface="Cambria Math" panose="02040503050406030204" pitchFamily="18" charset="0"/>
+                              <a:ea typeface="Cambria Math" panose="02040503050406030204" pitchFamily="18" charset="0"/>
                             </a:rPr>
                           </m:ctrlPr>
                         </m:dPr>
@@ -9796,17 +10067,39 @@
                               <m:ctrlPr>
                                 <a:rPr lang="en-CA" i="1" smtClean="0">
                                   <a:latin typeface="Cambria Math" panose="02040503050406030204" pitchFamily="18" charset="0"/>
+                                  <a:ea typeface="Cambria Math" panose="02040503050406030204" pitchFamily="18" charset="0"/>
                                 </a:rPr>
                               </m:ctrlPr>
                             </m:dPr>
                             <m:e>
-                              <m:r>
-                                <a:rPr lang="en-CA" i="1" smtClean="0">
-                                  <a:latin typeface="Cambria Math" panose="02040503050406030204" pitchFamily="18" charset="0"/>
-                                  <a:ea typeface="Cambria Math" panose="02040503050406030204" pitchFamily="18" charset="0"/>
-                                </a:rPr>
-                                <m:t>𝜓</m:t>
-                              </m:r>
+                              <m:sSub>
+                                <m:sSubPr>
+                                  <m:ctrlPr>
+                                    <a:rPr lang="en-CA" i="1" smtClean="0">
+                                      <a:latin typeface="Cambria Math" panose="02040503050406030204" pitchFamily="18" charset="0"/>
+                                      <a:ea typeface="Cambria Math" panose="02040503050406030204" pitchFamily="18" charset="0"/>
+                                    </a:rPr>
+                                  </m:ctrlPr>
+                                </m:sSubPr>
+                                <m:e>
+                                  <m:r>
+                                    <a:rPr lang="en-CA" i="1" smtClean="0">
+                                      <a:latin typeface="Cambria Math" panose="02040503050406030204" pitchFamily="18" charset="0"/>
+                                      <a:ea typeface="Cambria Math" panose="02040503050406030204" pitchFamily="18" charset="0"/>
+                                    </a:rPr>
+                                    <m:t>𝜓</m:t>
+                                  </m:r>
+                                </m:e>
+                                <m:sub>
+                                  <m:r>
+                                    <a:rPr lang="fr-FR" b="0" i="1" smtClean="0">
+                                      <a:latin typeface="Cambria Math" panose="02040503050406030204" pitchFamily="18" charset="0"/>
+                                      <a:ea typeface="Cambria Math" panose="02040503050406030204" pitchFamily="18" charset="0"/>
+                                    </a:rPr>
+                                    <m:t>𝑖</m:t>
+                                  </m:r>
+                                </m:sub>
+                              </m:sSub>
                             </m:e>
                           </m:d>
                         </m:e>
@@ -9822,10 +10115,10 @@
         <mc:Fallback>
           <p:sp>
             <p:nvSpPr>
-              <p:cNvPr id="3" name="TextBox 2">
+              <p:cNvPr id="6" name="TextBox 5">
                 <a:extLst>
                   <a:ext uri="{FF2B5EF4-FFF2-40B4-BE49-F238E27FC236}">
-                    <a16:creationId xmlns:a16="http://schemas.microsoft.com/office/drawing/2014/main" id="{73C6A65E-DECE-73AB-E3CB-B408781CCE4A}"/>
+                    <a16:creationId xmlns:a16="http://schemas.microsoft.com/office/drawing/2014/main" id="{DB706376-8363-D225-0212-ABFB1556259D}"/>
                   </a:ext>
                 </a:extLst>
               </p:cNvPr>
@@ -9836,16 +10129,16 @@
             </p:nvSpPr>
             <p:spPr>
               <a:xfrm>
-                <a:off x="9670768" y="488607"/>
-                <a:ext cx="516925" cy="369332"/>
+                <a:off x="1668444" y="3575860"/>
+                <a:ext cx="1155855" cy="369332"/>
               </a:xfrm>
               <a:prstGeom prst="rect">
                 <a:avLst/>
               </a:prstGeom>
               <a:blipFill>
-                <a:blip r:embed="rId22"/>
+                <a:blip r:embed="rId23"/>
                 <a:stretch>
-                  <a:fillRect l="-59524" t="-110000" r="-42857" b="-166667"/>
+                  <a:fillRect l="-2174" t="-110000" b="-166667"/>
                 </a:stretch>
               </a:blipFill>
             </p:spPr>
@@ -9864,41 +10157,6 @@
           </p:sp>
         </mc:Fallback>
       </mc:AlternateContent>
-      <p:pic>
-        <p:nvPicPr>
-          <p:cNvPr id="25" name="Graphic 24" descr="Normal Distribution outline">
-            <a:extLst>
-              <a:ext uri="{FF2B5EF4-FFF2-40B4-BE49-F238E27FC236}">
-                <a16:creationId xmlns:a16="http://schemas.microsoft.com/office/drawing/2014/main" id="{48D84B23-FD83-62B1-7AF8-D479E5005D7A}"/>
-              </a:ext>
-            </a:extLst>
-          </p:cNvPr>
-          <p:cNvPicPr>
-            <a:picLocks noChangeAspect="1"/>
-          </p:cNvPicPr>
-          <p:nvPr/>
-        </p:nvPicPr>
-        <p:blipFill>
-          <a:blip r:embed="rId18">
-            <a:extLst>
-              <a:ext uri="{96DAC541-7B7A-43D3-8B79-37D633B846F1}">
-                <asvg:svgBlip xmlns:asvg="http://schemas.microsoft.com/office/drawing/2016/SVG/main" r:embed="rId19"/>
-              </a:ext>
-            </a:extLst>
-          </a:blip>
-          <a:srcRect l="21347" b="18590"/>
-          <a:stretch/>
-        </p:blipFill>
-        <p:spPr>
-          <a:xfrm>
-            <a:off x="8776254" y="13977"/>
-            <a:ext cx="2989805" cy="3094582"/>
-          </a:xfrm>
-          <a:prstGeom prst="rect">
-            <a:avLst/>
-          </a:prstGeom>
-        </p:spPr>
-      </p:pic>
     </p:spTree>
     <p:extLst>
       <p:ext uri="{BB962C8B-B14F-4D97-AF65-F5344CB8AC3E}">

--- a/figure/FIGURES.pptx
+++ b/figure/FIGURES.pptx
@@ -199,7 +199,7 @@
           <a:p>
             <a:fld id="{25E4B823-9091-594F-87B2-4D821D50F95B}" type="datetimeFigureOut">
               <a:rPr lang="en-CA" smtClean="0"/>
-              <a:t>2025-07-15</a:t>
+              <a:t>2025-07-25</a:t>
             </a:fld>
             <a:endParaRPr lang="en-CA"/>
           </a:p>
@@ -700,7 +700,7 @@
           <a:p>
             <a:fld id="{3132CF77-6ABA-874C-80E0-4F20B077B08D}" type="datetimeFigureOut">
               <a:rPr lang="en-CA" smtClean="0"/>
-              <a:t>2025-07-15</a:t>
+              <a:t>2025-07-25</a:t>
             </a:fld>
             <a:endParaRPr lang="en-CA"/>
           </a:p>
@@ -900,7 +900,7 @@
           <a:p>
             <a:fld id="{3132CF77-6ABA-874C-80E0-4F20B077B08D}" type="datetimeFigureOut">
               <a:rPr lang="en-CA" smtClean="0"/>
-              <a:t>2025-07-15</a:t>
+              <a:t>2025-07-25</a:t>
             </a:fld>
             <a:endParaRPr lang="en-CA"/>
           </a:p>
@@ -1110,7 +1110,7 @@
           <a:p>
             <a:fld id="{3132CF77-6ABA-874C-80E0-4F20B077B08D}" type="datetimeFigureOut">
               <a:rPr lang="en-CA" smtClean="0"/>
-              <a:t>2025-07-15</a:t>
+              <a:t>2025-07-25</a:t>
             </a:fld>
             <a:endParaRPr lang="en-CA"/>
           </a:p>
@@ -1310,7 +1310,7 @@
           <a:p>
             <a:fld id="{3132CF77-6ABA-874C-80E0-4F20B077B08D}" type="datetimeFigureOut">
               <a:rPr lang="en-CA" smtClean="0"/>
-              <a:t>2025-07-15</a:t>
+              <a:t>2025-07-25</a:t>
             </a:fld>
             <a:endParaRPr lang="en-CA"/>
           </a:p>
@@ -1586,7 +1586,7 @@
           <a:p>
             <a:fld id="{3132CF77-6ABA-874C-80E0-4F20B077B08D}" type="datetimeFigureOut">
               <a:rPr lang="en-CA" smtClean="0"/>
-              <a:t>2025-07-15</a:t>
+              <a:t>2025-07-25</a:t>
             </a:fld>
             <a:endParaRPr lang="en-CA"/>
           </a:p>
@@ -1854,7 +1854,7 @@
           <a:p>
             <a:fld id="{3132CF77-6ABA-874C-80E0-4F20B077B08D}" type="datetimeFigureOut">
               <a:rPr lang="en-CA" smtClean="0"/>
-              <a:t>2025-07-15</a:t>
+              <a:t>2025-07-25</a:t>
             </a:fld>
             <a:endParaRPr lang="en-CA"/>
           </a:p>
@@ -2269,7 +2269,7 @@
           <a:p>
             <a:fld id="{3132CF77-6ABA-874C-80E0-4F20B077B08D}" type="datetimeFigureOut">
               <a:rPr lang="en-CA" smtClean="0"/>
-              <a:t>2025-07-15</a:t>
+              <a:t>2025-07-25</a:t>
             </a:fld>
             <a:endParaRPr lang="en-CA"/>
           </a:p>
@@ -2411,7 +2411,7 @@
           <a:p>
             <a:fld id="{3132CF77-6ABA-874C-80E0-4F20B077B08D}" type="datetimeFigureOut">
               <a:rPr lang="en-CA" smtClean="0"/>
-              <a:t>2025-07-15</a:t>
+              <a:t>2025-07-25</a:t>
             </a:fld>
             <a:endParaRPr lang="en-CA"/>
           </a:p>
@@ -2524,7 +2524,7 @@
           <a:p>
             <a:fld id="{3132CF77-6ABA-874C-80E0-4F20B077B08D}" type="datetimeFigureOut">
               <a:rPr lang="en-CA" smtClean="0"/>
-              <a:t>2025-07-15</a:t>
+              <a:t>2025-07-25</a:t>
             </a:fld>
             <a:endParaRPr lang="en-CA"/>
           </a:p>
@@ -2837,7 +2837,7 @@
           <a:p>
             <a:fld id="{3132CF77-6ABA-874C-80E0-4F20B077B08D}" type="datetimeFigureOut">
               <a:rPr lang="en-CA" smtClean="0"/>
-              <a:t>2025-07-15</a:t>
+              <a:t>2025-07-25</a:t>
             </a:fld>
             <a:endParaRPr lang="en-CA"/>
           </a:p>
@@ -3126,7 +3126,7 @@
           <a:p>
             <a:fld id="{3132CF77-6ABA-874C-80E0-4F20B077B08D}" type="datetimeFigureOut">
               <a:rPr lang="en-CA" smtClean="0"/>
-              <a:t>2025-07-15</a:t>
+              <a:t>2025-07-25</a:t>
             </a:fld>
             <a:endParaRPr lang="en-CA"/>
           </a:p>
@@ -3369,7 +3369,7 @@
           <a:p>
             <a:fld id="{3132CF77-6ABA-874C-80E0-4F20B077B08D}" type="datetimeFigureOut">
               <a:rPr lang="en-CA" smtClean="0"/>
-              <a:t>2025-07-15</a:t>
+              <a:t>2025-07-25</a:t>
             </a:fld>
             <a:endParaRPr lang="en-CA"/>
           </a:p>
@@ -6252,8 +6252,8 @@
         </p:nvSpPr>
         <p:spPr>
           <a:xfrm>
-            <a:off x="7488187" y="4144322"/>
-            <a:ext cx="4213654" cy="646331"/>
+            <a:off x="7135535" y="4421321"/>
+            <a:ext cx="4755738" cy="369332"/>
           </a:xfrm>
           <a:prstGeom prst="rect">
             <a:avLst/>
@@ -6281,7 +6281,7 @@
             </a:r>
             <a:r>
               <a:rPr lang="en-CA" dirty="0" err="1"/>
-              <a:t>s’effond</a:t>
+              <a:t>s’effondre</a:t>
             </a:r>
             <a:r>
               <a:rPr lang="en-CA" dirty="0"/>
@@ -6297,7 +6297,7 @@
             </a:r>
             <a:r>
               <a:rPr lang="en-CA" dirty="0" err="1"/>
-              <a:t>ces</a:t>
+              <a:t>ses</a:t>
             </a:r>
             <a:r>
               <a:rPr lang="en-CA" dirty="0"/>
@@ -6307,18 +6307,7 @@
               <a:rPr lang="en-CA" dirty="0" err="1"/>
               <a:t>valeurs</a:t>
             </a:r>
-            <a:r>
-              <a:rPr lang="en-CA" dirty="0"/>
-              <a:t> et </a:t>
-            </a:r>
-            <a:r>
-              <a:rPr lang="en-CA" dirty="0" err="1"/>
-              <a:t>mesuré</a:t>
-            </a:r>
-            <a:r>
-              <a:rPr lang="en-CA" dirty="0"/>
-              <a:t> de façon projective</a:t>
-            </a:r>
+            <a:endParaRPr lang="en-CA" dirty="0"/>
           </a:p>
         </p:txBody>
       </p:sp>
@@ -8355,8 +8344,8 @@
           </a:fontRef>
         </p:style>
       </p:cxnSp>
-      <mc:AlternateContent xmlns:mc="http://schemas.openxmlformats.org/markup-compatibility/2006">
-        <mc:Choice xmlns:a14="http://schemas.microsoft.com/office/drawing/2010/main" Requires="a14">
+      <mc:AlternateContent xmlns:mc="http://schemas.openxmlformats.org/markup-compatibility/2006" xmlns:a14="http://schemas.microsoft.com/office/drawing/2010/main">
+        <mc:Choice Requires="a14">
           <p:sp>
             <p:nvSpPr>
               <p:cNvPr id="14" name="TextBox 13">
@@ -8532,7 +8521,7 @@
             </p:txBody>
           </p:sp>
         </mc:Choice>
-        <mc:Fallback>
+        <mc:Fallback xmlns="">
           <p:sp>
             <p:nvSpPr>
               <p:cNvPr id="14" name="TextBox 13">
@@ -9762,8 +9751,8 @@
           <a:effectLst/>
         </p:spPr>
       </p:pic>
-      <mc:AlternateContent xmlns:mc="http://schemas.openxmlformats.org/markup-compatibility/2006">
-        <mc:Choice xmlns:a14="http://schemas.microsoft.com/office/drawing/2010/main" Requires="a14">
+      <mc:AlternateContent xmlns:mc="http://schemas.openxmlformats.org/markup-compatibility/2006" xmlns:a14="http://schemas.microsoft.com/office/drawing/2010/main">
+        <mc:Choice Requires="a14">
           <p:sp>
             <p:nvSpPr>
               <p:cNvPr id="3" name="TextBox 2">
@@ -9792,7 +9781,6 @@
               </a:bodyPr>
               <a:lstStyle/>
               <a:p>
-                <a:pPr/>
                 <a14:m>
                   <m:oMath xmlns:m="http://schemas.openxmlformats.org/officeDocument/2006/math">
                     <m:d>
@@ -9931,7 +9919,7 @@
             </p:txBody>
           </p:sp>
         </mc:Choice>
-        <mc:Fallback>
+        <mc:Fallback xmlns="">
           <p:sp>
             <p:nvSpPr>
               <p:cNvPr id="3" name="TextBox 2">
@@ -10011,8 +9999,8 @@
           </a:prstGeom>
         </p:spPr>
       </p:pic>
-      <mc:AlternateContent xmlns:mc="http://schemas.openxmlformats.org/markup-compatibility/2006">
-        <mc:Choice xmlns:a14="http://schemas.microsoft.com/office/drawing/2010/main" Requires="a14">
+      <mc:AlternateContent xmlns:mc="http://schemas.openxmlformats.org/markup-compatibility/2006" xmlns:a14="http://schemas.microsoft.com/office/drawing/2010/main">
+        <mc:Choice Requires="a14">
           <p:sp>
             <p:nvSpPr>
               <p:cNvPr id="6" name="TextBox 5">
@@ -10112,7 +10100,7 @@
             </p:txBody>
           </p:sp>
         </mc:Choice>
-        <mc:Fallback>
+        <mc:Fallback xmlns="">
           <p:sp>
             <p:nvSpPr>
               <p:cNvPr id="6" name="TextBox 5">

--- a/figure/FIGURES.pptx
+++ b/figure/FIGURES.pptx
@@ -199,7 +199,7 @@
           <a:p>
             <a:fld id="{25E4B823-9091-594F-87B2-4D821D50F95B}" type="datetimeFigureOut">
               <a:rPr lang="en-CA" smtClean="0"/>
-              <a:t>2025-07-25</a:t>
+              <a:t>2025-08-08</a:t>
             </a:fld>
             <a:endParaRPr lang="en-CA"/>
           </a:p>
@@ -700,7 +700,7 @@
           <a:p>
             <a:fld id="{3132CF77-6ABA-874C-80E0-4F20B077B08D}" type="datetimeFigureOut">
               <a:rPr lang="en-CA" smtClean="0"/>
-              <a:t>2025-07-25</a:t>
+              <a:t>2025-08-08</a:t>
             </a:fld>
             <a:endParaRPr lang="en-CA"/>
           </a:p>
@@ -900,7 +900,7 @@
           <a:p>
             <a:fld id="{3132CF77-6ABA-874C-80E0-4F20B077B08D}" type="datetimeFigureOut">
               <a:rPr lang="en-CA" smtClean="0"/>
-              <a:t>2025-07-25</a:t>
+              <a:t>2025-08-08</a:t>
             </a:fld>
             <a:endParaRPr lang="en-CA"/>
           </a:p>
@@ -1110,7 +1110,7 @@
           <a:p>
             <a:fld id="{3132CF77-6ABA-874C-80E0-4F20B077B08D}" type="datetimeFigureOut">
               <a:rPr lang="en-CA" smtClean="0"/>
-              <a:t>2025-07-25</a:t>
+              <a:t>2025-08-08</a:t>
             </a:fld>
             <a:endParaRPr lang="en-CA"/>
           </a:p>
@@ -1310,7 +1310,7 @@
           <a:p>
             <a:fld id="{3132CF77-6ABA-874C-80E0-4F20B077B08D}" type="datetimeFigureOut">
               <a:rPr lang="en-CA" smtClean="0"/>
-              <a:t>2025-07-25</a:t>
+              <a:t>2025-08-08</a:t>
             </a:fld>
             <a:endParaRPr lang="en-CA"/>
           </a:p>
@@ -1586,7 +1586,7 @@
           <a:p>
             <a:fld id="{3132CF77-6ABA-874C-80E0-4F20B077B08D}" type="datetimeFigureOut">
               <a:rPr lang="en-CA" smtClean="0"/>
-              <a:t>2025-07-25</a:t>
+              <a:t>2025-08-08</a:t>
             </a:fld>
             <a:endParaRPr lang="en-CA"/>
           </a:p>
@@ -1854,7 +1854,7 @@
           <a:p>
             <a:fld id="{3132CF77-6ABA-874C-80E0-4F20B077B08D}" type="datetimeFigureOut">
               <a:rPr lang="en-CA" smtClean="0"/>
-              <a:t>2025-07-25</a:t>
+              <a:t>2025-08-08</a:t>
             </a:fld>
             <a:endParaRPr lang="en-CA"/>
           </a:p>
@@ -2269,7 +2269,7 @@
           <a:p>
             <a:fld id="{3132CF77-6ABA-874C-80E0-4F20B077B08D}" type="datetimeFigureOut">
               <a:rPr lang="en-CA" smtClean="0"/>
-              <a:t>2025-07-25</a:t>
+              <a:t>2025-08-08</a:t>
             </a:fld>
             <a:endParaRPr lang="en-CA"/>
           </a:p>
@@ -2411,7 +2411,7 @@
           <a:p>
             <a:fld id="{3132CF77-6ABA-874C-80E0-4F20B077B08D}" type="datetimeFigureOut">
               <a:rPr lang="en-CA" smtClean="0"/>
-              <a:t>2025-07-25</a:t>
+              <a:t>2025-08-08</a:t>
             </a:fld>
             <a:endParaRPr lang="en-CA"/>
           </a:p>
@@ -2524,7 +2524,7 @@
           <a:p>
             <a:fld id="{3132CF77-6ABA-874C-80E0-4F20B077B08D}" type="datetimeFigureOut">
               <a:rPr lang="en-CA" smtClean="0"/>
-              <a:t>2025-07-25</a:t>
+              <a:t>2025-08-08</a:t>
             </a:fld>
             <a:endParaRPr lang="en-CA"/>
           </a:p>
@@ -2837,7 +2837,7 @@
           <a:p>
             <a:fld id="{3132CF77-6ABA-874C-80E0-4F20B077B08D}" type="datetimeFigureOut">
               <a:rPr lang="en-CA" smtClean="0"/>
-              <a:t>2025-07-25</a:t>
+              <a:t>2025-08-08</a:t>
             </a:fld>
             <a:endParaRPr lang="en-CA"/>
           </a:p>
@@ -3126,7 +3126,7 @@
           <a:p>
             <a:fld id="{3132CF77-6ABA-874C-80E0-4F20B077B08D}" type="datetimeFigureOut">
               <a:rPr lang="en-CA" smtClean="0"/>
-              <a:t>2025-07-25</a:t>
+              <a:t>2025-08-08</a:t>
             </a:fld>
             <a:endParaRPr lang="en-CA"/>
           </a:p>
@@ -3369,7 +3369,7 @@
           <a:p>
             <a:fld id="{3132CF77-6ABA-874C-80E0-4F20B077B08D}" type="datetimeFigureOut">
               <a:rPr lang="en-CA" smtClean="0"/>
-              <a:t>2025-07-25</a:t>
+              <a:t>2025-08-08</a:t>
             </a:fld>
             <a:endParaRPr lang="en-CA"/>
           </a:p>
@@ -7796,8 +7796,8 @@
           </p:sp>
         </mc:Fallback>
       </mc:AlternateContent>
-      <mc:AlternateContent xmlns:mc="http://schemas.openxmlformats.org/markup-compatibility/2006" xmlns:a14="http://schemas.microsoft.com/office/drawing/2010/main">
-        <mc:Choice Requires="a14">
+      <mc:AlternateContent xmlns:mc="http://schemas.openxmlformats.org/markup-compatibility/2006">
+        <mc:Choice xmlns:a14="http://schemas.microsoft.com/office/drawing/2010/main" Requires="a14">
           <p:sp>
             <p:nvSpPr>
               <p:cNvPr id="26" name="TextBox 25">
@@ -7812,8 +7812,8 @@
             </p:nvSpPr>
             <p:spPr>
               <a:xfrm>
-                <a:off x="10677996" y="1606378"/>
-                <a:ext cx="1514004" cy="276999"/>
+                <a:off x="10459732" y="1580659"/>
+                <a:ext cx="1642244" cy="276999"/>
               </a:xfrm>
               <a:prstGeom prst="rect">
                 <a:avLst/>
@@ -7865,7 +7865,7 @@
                                 <a:rPr lang="en-CA" b="0" i="1" smtClean="0">
                                   <a:latin typeface="Cambria Math" panose="02040503050406030204" pitchFamily="18" charset="0"/>
                                 </a:rPr>
-                                <m:t>=90 </m:t>
+                                <m:t>=378 </m:t>
                               </m:r>
                               <m:r>
                                 <a:rPr lang="en-CA" b="0" i="1" smtClean="0">
@@ -7897,7 +7897,7 @@
             </p:txBody>
           </p:sp>
         </mc:Choice>
-        <mc:Fallback xmlns="">
+        <mc:Fallback>
           <p:sp>
             <p:nvSpPr>
               <p:cNvPr id="26" name="TextBox 25">
@@ -7914,8 +7914,8 @@
             </p:nvSpPr>
             <p:spPr>
               <a:xfrm>
-                <a:off x="10677996" y="1606378"/>
-                <a:ext cx="1514004" cy="276999"/>
+                <a:off x="10459732" y="1580659"/>
+                <a:ext cx="1642244" cy="276999"/>
               </a:xfrm>
               <a:prstGeom prst="rect">
                 <a:avLst/>
@@ -7923,7 +7923,7 @@
               <a:blipFill>
                 <a:blip r:embed="rId10"/>
                 <a:stretch>
-                  <a:fillRect l="-24793" t="-160870" r="-19008" b="-234783"/>
+                  <a:fillRect l="-23077" t="-160870" r="-18462" b="-234783"/>
                 </a:stretch>
               </a:blipFill>
             </p:spPr>
@@ -7956,7 +7956,7 @@
         </p:nvSpPr>
         <p:spPr>
           <a:xfrm>
-            <a:off x="346535" y="3958281"/>
+            <a:off x="887510" y="3977331"/>
             <a:ext cx="1853514" cy="369332"/>
           </a:xfrm>
           <a:prstGeom prst="rect">
@@ -7973,14 +7973,6 @@
             <a:r>
               <a:rPr lang="en-CA" dirty="0" err="1"/>
               <a:t>Couplage</a:t>
-            </a:r>
-            <a:r>
-              <a:rPr lang="en-CA" dirty="0"/>
-              <a:t> </a:t>
-            </a:r>
-            <a:r>
-              <a:rPr lang="en-CA" dirty="0" err="1"/>
-              <a:t>faible</a:t>
             </a:r>
             <a:endParaRPr lang="en-CA" dirty="0"/>
           </a:p>
